--- a/docs/images/highlevelArchitecture.pptx
+++ b/docs/images/highlevelArchitecture.pptx
@@ -7,7 +7,7 @@
   <p:sldIdLst>
     <p:sldId id="256" r:id="rId2"/>
   </p:sldIdLst>
-  <p:sldSz cx="8229600" cy="4846638"/>
+  <p:sldSz cx="8229600" cy="5759450"/>
   <p:notesSz cx="6858000" cy="9144000"/>
   <p:defaultTextStyle>
     <a:defPPr>
@@ -107,12 +107,12 @@
   <p:extLst>
     <p:ext uri="{EFAFB233-063F-42B5-8137-9DF3F51BA10A}">
       <p15:sldGuideLst xmlns:p15="http://schemas.microsoft.com/office/powerpoint/2012/main">
-        <p15:guide id="1" orient="horz" pos="1527">
+        <p15:guide id="1" orient="horz" pos="1815" userDrawn="1">
           <p15:clr>
             <a:srgbClr val="A4A3A4"/>
           </p15:clr>
         </p15:guide>
-        <p15:guide id="2" pos="2592">
+        <p15:guide id="2" pos="2592" userDrawn="1">
           <p15:clr>
             <a:srgbClr val="A4A3A4"/>
           </p15:clr>
@@ -152,8 +152,8 @@
         </p:nvSpPr>
         <p:spPr>
           <a:xfrm>
-            <a:off x="617220" y="1505600"/>
-            <a:ext cx="6995160" cy="1038886"/>
+            <a:off x="617220" y="1789164"/>
+            <a:ext cx="6995160" cy="1234549"/>
           </a:xfrm>
         </p:spPr>
         <p:txBody>
@@ -180,8 +180,8 @@
         </p:nvSpPr>
         <p:spPr>
           <a:xfrm>
-            <a:off x="1234440" y="2746428"/>
-            <a:ext cx="5760720" cy="1238586"/>
+            <a:off x="1234440" y="3263690"/>
+            <a:ext cx="5760720" cy="1471860"/>
           </a:xfrm>
         </p:spPr>
         <p:txBody>
@@ -305,7 +305,7 @@
             <a:fld id="{1D8BD707-D9CF-40AE-B4C6-C98DA3205C09}" type="datetimeFigureOut">
               <a:rPr lang="en-US" smtClean="0"/>
               <a:pPr/>
-              <a:t>1/27/2017</a:t>
+              <a:t>9/17/2018</a:t>
             </a:fld>
             <a:endParaRPr lang="en-US"/>
           </a:p>
@@ -472,7 +472,7 @@
             <a:fld id="{1D8BD707-D9CF-40AE-B4C6-C98DA3205C09}" type="datetimeFigureOut">
               <a:rPr lang="en-US" smtClean="0"/>
               <a:pPr/>
-              <a:t>1/27/2017</a:t>
+              <a:t>9/17/2018</a:t>
             </a:fld>
             <a:endParaRPr lang="en-US"/>
           </a:p>
@@ -558,8 +558,8 @@
         </p:nvSpPr>
         <p:spPr>
           <a:xfrm>
-            <a:off x="5966460" y="194092"/>
-            <a:ext cx="1851660" cy="4135349"/>
+            <a:off x="5966460" y="230649"/>
+            <a:ext cx="1851660" cy="4914197"/>
           </a:xfrm>
         </p:spPr>
         <p:txBody>
@@ -586,8 +586,8 @@
         </p:nvSpPr>
         <p:spPr>
           <a:xfrm>
-            <a:off x="411480" y="194092"/>
-            <a:ext cx="5417820" cy="4135349"/>
+            <a:off x="411480" y="230649"/>
+            <a:ext cx="5417820" cy="4914197"/>
           </a:xfrm>
         </p:spPr>
         <p:txBody>
@@ -649,7 +649,7 @@
             <a:fld id="{1D8BD707-D9CF-40AE-B4C6-C98DA3205C09}" type="datetimeFigureOut">
               <a:rPr lang="en-US" smtClean="0"/>
               <a:pPr/>
-              <a:t>1/27/2017</a:t>
+              <a:t>9/17/2018</a:t>
             </a:fld>
             <a:endParaRPr lang="en-US"/>
           </a:p>
@@ -816,7 +816,7 @@
             <a:fld id="{1D8BD707-D9CF-40AE-B4C6-C98DA3205C09}" type="datetimeFigureOut">
               <a:rPr lang="en-US" smtClean="0"/>
               <a:pPr/>
-              <a:t>1/27/2017</a:t>
+              <a:t>9/17/2018</a:t>
             </a:fld>
             <a:endParaRPr lang="en-US"/>
           </a:p>
@@ -902,8 +902,8 @@
         </p:nvSpPr>
         <p:spPr>
           <a:xfrm>
-            <a:off x="650082" y="3114414"/>
-            <a:ext cx="6995160" cy="962596"/>
+            <a:off x="650082" y="3700983"/>
+            <a:ext cx="6995160" cy="1143891"/>
           </a:xfrm>
         </p:spPr>
         <p:txBody>
@@ -934,8 +934,8 @@
         </p:nvSpPr>
         <p:spPr>
           <a:xfrm>
-            <a:off x="650082" y="2054214"/>
-            <a:ext cx="6995160" cy="1060201"/>
+            <a:off x="650082" y="2441106"/>
+            <a:ext cx="6995160" cy="1259878"/>
           </a:xfrm>
         </p:spPr>
         <p:txBody>
@@ -1059,7 +1059,7 @@
             <a:fld id="{1D8BD707-D9CF-40AE-B4C6-C98DA3205C09}" type="datetimeFigureOut">
               <a:rPr lang="en-US" smtClean="0"/>
               <a:pPr/>
-              <a:t>1/27/2017</a:t>
+              <a:t>9/17/2018</a:t>
             </a:fld>
             <a:endParaRPr lang="en-US"/>
           </a:p>
@@ -1168,8 +1168,8 @@
         </p:nvSpPr>
         <p:spPr>
           <a:xfrm>
-            <a:off x="411480" y="1130885"/>
-            <a:ext cx="3634740" cy="3198557"/>
+            <a:off x="411480" y="1343878"/>
+            <a:ext cx="3634740" cy="3800971"/>
           </a:xfrm>
         </p:spPr>
         <p:txBody>
@@ -1253,8 +1253,8 @@
         </p:nvSpPr>
         <p:spPr>
           <a:xfrm>
-            <a:off x="4183380" y="1130885"/>
-            <a:ext cx="3634740" cy="3198557"/>
+            <a:off x="4183380" y="1343878"/>
+            <a:ext cx="3634740" cy="3800971"/>
           </a:xfrm>
         </p:spPr>
         <p:txBody>
@@ -1344,7 +1344,7 @@
             <a:fld id="{1D8BD707-D9CF-40AE-B4C6-C98DA3205C09}" type="datetimeFigureOut">
               <a:rPr lang="en-US" smtClean="0"/>
               <a:pPr/>
-              <a:t>1/27/2017</a:t>
+              <a:t>9/17/2018</a:t>
             </a:fld>
             <a:endParaRPr lang="en-US"/>
           </a:p>
@@ -1457,8 +1457,8 @@
         </p:nvSpPr>
         <p:spPr>
           <a:xfrm>
-            <a:off x="411480" y="1084884"/>
-            <a:ext cx="3636169" cy="452128"/>
+            <a:off x="411486" y="1289210"/>
+            <a:ext cx="3636169" cy="537281"/>
           </a:xfrm>
         </p:spPr>
         <p:txBody>
@@ -1522,8 +1522,8 @@
         </p:nvSpPr>
         <p:spPr>
           <a:xfrm>
-            <a:off x="411480" y="1537014"/>
-            <a:ext cx="3636169" cy="2792427"/>
+            <a:off x="411486" y="1826495"/>
+            <a:ext cx="3636169" cy="3318350"/>
           </a:xfrm>
         </p:spPr>
         <p:txBody>
@@ -1607,8 +1607,8 @@
         </p:nvSpPr>
         <p:spPr>
           <a:xfrm>
-            <a:off x="4180525" y="1084884"/>
-            <a:ext cx="3637598" cy="452128"/>
+            <a:off x="4180525" y="1289210"/>
+            <a:ext cx="3637598" cy="537281"/>
           </a:xfrm>
         </p:spPr>
         <p:txBody>
@@ -1672,8 +1672,8 @@
         </p:nvSpPr>
         <p:spPr>
           <a:xfrm>
-            <a:off x="4180525" y="1537014"/>
-            <a:ext cx="3637598" cy="2792427"/>
+            <a:off x="4180525" y="1826495"/>
+            <a:ext cx="3637598" cy="3318350"/>
           </a:xfrm>
         </p:spPr>
         <p:txBody>
@@ -1763,7 +1763,7 @@
             <a:fld id="{1D8BD707-D9CF-40AE-B4C6-C98DA3205C09}" type="datetimeFigureOut">
               <a:rPr lang="en-US" smtClean="0"/>
               <a:pPr/>
-              <a:t>1/27/2017</a:t>
+              <a:t>9/17/2018</a:t>
             </a:fld>
             <a:endParaRPr lang="en-US"/>
           </a:p>
@@ -1878,7 +1878,7 @@
             <a:fld id="{1D8BD707-D9CF-40AE-B4C6-C98DA3205C09}" type="datetimeFigureOut">
               <a:rPr lang="en-US" smtClean="0"/>
               <a:pPr/>
-              <a:t>1/27/2017</a:t>
+              <a:t>9/17/2018</a:t>
             </a:fld>
             <a:endParaRPr lang="en-US"/>
           </a:p>
@@ -1970,7 +1970,7 @@
             <a:fld id="{1D8BD707-D9CF-40AE-B4C6-C98DA3205C09}" type="datetimeFigureOut">
               <a:rPr lang="en-US" smtClean="0"/>
               <a:pPr/>
-              <a:t>1/27/2017</a:t>
+              <a:t>9/17/2018</a:t>
             </a:fld>
             <a:endParaRPr lang="en-US"/>
           </a:p>
@@ -2056,8 +2056,8 @@
         </p:nvSpPr>
         <p:spPr>
           <a:xfrm>
-            <a:off x="411482" y="192969"/>
-            <a:ext cx="2707482" cy="821236"/>
+            <a:off x="411482" y="229314"/>
+            <a:ext cx="2707482" cy="975907"/>
           </a:xfrm>
         </p:spPr>
         <p:txBody>
@@ -2088,8 +2088,8 @@
         </p:nvSpPr>
         <p:spPr>
           <a:xfrm>
-            <a:off x="3217545" y="192969"/>
-            <a:ext cx="4600575" cy="4136471"/>
+            <a:off x="3217551" y="229315"/>
+            <a:ext cx="4600575" cy="4915531"/>
           </a:xfrm>
         </p:spPr>
         <p:txBody>
@@ -2173,8 +2173,8 @@
         </p:nvSpPr>
         <p:spPr>
           <a:xfrm>
-            <a:off x="411482" y="1014207"/>
-            <a:ext cx="2707482" cy="3315235"/>
+            <a:off x="411482" y="1205226"/>
+            <a:ext cx="2707482" cy="3939624"/>
           </a:xfrm>
         </p:spPr>
         <p:txBody>
@@ -2244,7 +2244,7 @@
             <a:fld id="{1D8BD707-D9CF-40AE-B4C6-C98DA3205C09}" type="datetimeFigureOut">
               <a:rPr lang="en-US" smtClean="0"/>
               <a:pPr/>
-              <a:t>1/27/2017</a:t>
+              <a:t>9/17/2018</a:t>
             </a:fld>
             <a:endParaRPr lang="en-US"/>
           </a:p>
@@ -2330,8 +2330,8 @@
         </p:nvSpPr>
         <p:spPr>
           <a:xfrm>
-            <a:off x="1613059" y="3392648"/>
-            <a:ext cx="4937760" cy="400521"/>
+            <a:off x="1613059" y="4031618"/>
+            <a:ext cx="4937760" cy="475955"/>
           </a:xfrm>
         </p:spPr>
         <p:txBody>
@@ -2362,8 +2362,8 @@
         </p:nvSpPr>
         <p:spPr>
           <a:xfrm>
-            <a:off x="1613059" y="433058"/>
-            <a:ext cx="4937760" cy="2907983"/>
+            <a:off x="1613059" y="514622"/>
+            <a:ext cx="4937760" cy="3455670"/>
           </a:xfrm>
         </p:spPr>
         <p:txBody>
@@ -2423,8 +2423,8 @@
         </p:nvSpPr>
         <p:spPr>
           <a:xfrm>
-            <a:off x="1613059" y="3793169"/>
-            <a:ext cx="4937760" cy="568806"/>
+            <a:off x="1613059" y="4507572"/>
+            <a:ext cx="4937760" cy="675935"/>
           </a:xfrm>
         </p:spPr>
         <p:txBody>
@@ -2494,7 +2494,7 @@
             <a:fld id="{1D8BD707-D9CF-40AE-B4C6-C98DA3205C09}" type="datetimeFigureOut">
               <a:rPr lang="en-US" smtClean="0"/>
               <a:pPr/>
-              <a:t>1/27/2017</a:t>
+              <a:t>9/17/2018</a:t>
             </a:fld>
             <a:endParaRPr lang="en-US"/>
           </a:p>
@@ -2585,8 +2585,8 @@
         </p:nvSpPr>
         <p:spPr>
           <a:xfrm>
-            <a:off x="411480" y="194092"/>
-            <a:ext cx="7406640" cy="807773"/>
+            <a:off x="411480" y="230649"/>
+            <a:ext cx="7406640" cy="959909"/>
           </a:xfrm>
           <a:prstGeom prst="rect">
             <a:avLst/>
@@ -2618,8 +2618,8 @@
         </p:nvSpPr>
         <p:spPr>
           <a:xfrm>
-            <a:off x="411480" y="1130885"/>
-            <a:ext cx="7406640" cy="3198557"/>
+            <a:off x="411480" y="1343878"/>
+            <a:ext cx="7406640" cy="3800971"/>
           </a:xfrm>
           <a:prstGeom prst="rect">
             <a:avLst/>
@@ -2680,8 +2680,8 @@
         </p:nvSpPr>
         <p:spPr>
           <a:xfrm>
-            <a:off x="411480" y="4492117"/>
-            <a:ext cx="1920240" cy="258039"/>
+            <a:off x="411480" y="5338162"/>
+            <a:ext cx="1920240" cy="306638"/>
           </a:xfrm>
           <a:prstGeom prst="rect">
             <a:avLst/>
@@ -2704,7 +2704,7 @@
             <a:fld id="{1D8BD707-D9CF-40AE-B4C6-C98DA3205C09}" type="datetimeFigureOut">
               <a:rPr lang="en-US" smtClean="0"/>
               <a:pPr/>
-              <a:t>1/27/2017</a:t>
+              <a:t>9/17/2018</a:t>
             </a:fld>
             <a:endParaRPr lang="en-US"/>
           </a:p>
@@ -2722,8 +2722,8 @@
         </p:nvSpPr>
         <p:spPr>
           <a:xfrm>
-            <a:off x="2811780" y="4492117"/>
-            <a:ext cx="2606040" cy="258039"/>
+            <a:off x="2811780" y="5338162"/>
+            <a:ext cx="2606040" cy="306638"/>
           </a:xfrm>
           <a:prstGeom prst="rect">
             <a:avLst/>
@@ -2759,8 +2759,8 @@
         </p:nvSpPr>
         <p:spPr>
           <a:xfrm>
-            <a:off x="5897880" y="4492117"/>
-            <a:ext cx="1920240" cy="258039"/>
+            <a:off x="5897880" y="5338162"/>
+            <a:ext cx="1920240" cy="306638"/>
           </a:xfrm>
           <a:prstGeom prst="rect">
             <a:avLst/>
@@ -3083,8 +3083,8 @@
         </p:nvSpPr>
         <p:spPr>
           <a:xfrm>
-            <a:off x="912836" y="61119"/>
-            <a:ext cx="1860610" cy="4648200"/>
+            <a:off x="912836" y="288925"/>
+            <a:ext cx="1860610" cy="5257800"/>
           </a:xfrm>
           <a:prstGeom prst="roundRect">
             <a:avLst>
@@ -3139,8 +3139,8 @@
         </p:nvSpPr>
         <p:spPr>
           <a:xfrm>
-            <a:off x="1097046" y="2042319"/>
-            <a:ext cx="1524000" cy="1219200"/>
+            <a:off x="1097046" y="3522813"/>
+            <a:ext cx="1516554" cy="943293"/>
           </a:xfrm>
           <a:prstGeom prst="roundRect">
             <a:avLst>
@@ -3183,7 +3183,7 @@
           <a:p>
             <a:pPr algn="ctr"/>
             <a:r>
-              <a:rPr lang="en-US" sz="1600" b="1" dirty="0" smtClean="0">
+              <a:rPr lang="en-US" sz="1600" b="1" dirty="0">
                 <a:solidFill>
                   <a:schemeClr val="accent2">
                     <a:lumMod val="75000"/>
@@ -3210,12 +3210,12 @@
         </p:nvSpPr>
         <p:spPr>
           <a:xfrm>
-            <a:off x="3505200" y="61119"/>
-            <a:ext cx="4602178" cy="4648200"/>
+            <a:off x="3505200" y="288925"/>
+            <a:ext cx="4602178" cy="3307761"/>
           </a:xfrm>
           <a:prstGeom prst="roundRect">
             <a:avLst>
-              <a:gd name="adj" fmla="val 3209"/>
+              <a:gd name="adj" fmla="val 1250"/>
             </a:avLst>
           </a:prstGeom>
           <a:solidFill>
@@ -3254,7 +3254,7 @@
           <a:lstStyle/>
           <a:p>
             <a:pPr algn="ctr"/>
-            <a:endParaRPr lang="en-SG"/>
+            <a:endParaRPr lang="en-SG" dirty="0"/>
           </a:p>
         </p:txBody>
       </p:sp>
@@ -3266,8 +3266,8 @@
         </p:nvSpPr>
         <p:spPr>
           <a:xfrm>
-            <a:off x="1097046" y="3490119"/>
-            <a:ext cx="1524000" cy="1143000"/>
+            <a:off x="1097046" y="4694712"/>
+            <a:ext cx="1524000" cy="699613"/>
           </a:xfrm>
           <a:prstGeom prst="roundRect">
             <a:avLst>
@@ -3337,8 +3337,8 @@
         </p:nvSpPr>
         <p:spPr>
           <a:xfrm>
-            <a:off x="5181600" y="975518"/>
-            <a:ext cx="1219200" cy="2438399"/>
+            <a:off x="5257800" y="1470422"/>
+            <a:ext cx="1080000" cy="1440000"/>
           </a:xfrm>
           <a:prstGeom prst="roundRect">
             <a:avLst>
@@ -3381,7 +3381,7 @@
           <a:p>
             <a:pPr algn="ctr"/>
             <a:r>
-              <a:rPr lang="en-US" sz="1600" b="1" dirty="0" smtClean="0">
+              <a:rPr lang="en-US" sz="1600" b="1" dirty="0">
                 <a:solidFill>
                   <a:schemeClr val="accent4">
                     <a:lumMod val="75000"/>
@@ -3408,8 +3408,8 @@
         </p:nvSpPr>
         <p:spPr>
           <a:xfrm>
-            <a:off x="6802844" y="975518"/>
-            <a:ext cx="1143000" cy="1142999"/>
+            <a:off x="6793728" y="1470423"/>
+            <a:ext cx="1079893" cy="1440000"/>
           </a:xfrm>
           <a:prstGeom prst="roundRect">
             <a:avLst>
@@ -3452,7 +3452,7 @@
           <a:p>
             <a:pPr algn="r"/>
             <a:r>
-              <a:rPr lang="en-US" sz="1600" b="1" dirty="0" smtClean="0">
+              <a:rPr lang="en-US" sz="1600" b="1" dirty="0">
                 <a:solidFill>
                   <a:schemeClr val="accent3">
                     <a:lumMod val="75000"/>
@@ -3479,7 +3479,7 @@
         </p:nvSpPr>
         <p:spPr>
           <a:xfrm>
-            <a:off x="1112676" y="310050"/>
+            <a:off x="1112676" y="1751691"/>
             <a:ext cx="1502628" cy="1418629"/>
           </a:xfrm>
           <a:prstGeom prst="roundRect">
@@ -3523,24 +3523,14 @@
           <a:p>
             <a:pPr algn="ctr"/>
             <a:r>
-              <a:rPr lang="en-US" sz="1600" b="1" dirty="0" smtClean="0">
+              <a:rPr lang="en-US" sz="1600" b="1" dirty="0">
                 <a:solidFill>
                   <a:schemeClr val="accent1">
                     <a:lumMod val="75000"/>
                   </a:schemeClr>
                 </a:solidFill>
               </a:rPr>
-              <a:t>UI (</a:t>
-            </a:r>
-            <a:r>
-              <a:rPr lang="en-US" sz="1600" b="1" dirty="0" smtClean="0">
-                <a:solidFill>
-                  <a:schemeClr val="accent1">
-                    <a:lumMod val="75000"/>
-                  </a:schemeClr>
-                </a:solidFill>
-              </a:rPr>
-              <a:t>browser)</a:t>
+              <a:t>UI (browser)</a:t>
             </a:r>
             <a:endParaRPr lang="en-SG" sz="1600" b="1" dirty="0">
               <a:solidFill>
@@ -3560,7 +3550,7 @@
         </p:nvSpPr>
         <p:spPr>
           <a:xfrm>
-            <a:off x="3628010" y="194469"/>
+            <a:off x="3628010" y="441325"/>
             <a:ext cx="4369572" cy="457200"/>
           </a:xfrm>
           <a:prstGeom prst="roundRect">
@@ -3603,7 +3593,7 @@
           <a:lstStyle/>
           <a:p>
             <a:r>
-              <a:rPr lang="en-US" sz="1600" b="1" dirty="0" smtClean="0">
+              <a:rPr lang="en-US" sz="1600" b="1" dirty="0">
                 <a:solidFill>
                   <a:schemeClr val="accent5">
                     <a:lumMod val="75000"/>
@@ -3625,13 +3615,16 @@
       <p:cxnSp>
         <p:nvCxnSpPr>
           <p:cNvPr id="67" name="Straight Arrow Connector 66"/>
-          <p:cNvCxnSpPr/>
+          <p:cNvCxnSpPr>
+            <a:stCxn id="63" idx="3"/>
+            <a:endCxn id="64" idx="1"/>
+          </p:cNvCxnSpPr>
           <p:nvPr/>
         </p:nvCxnSpPr>
         <p:spPr>
           <a:xfrm>
-            <a:off x="6400800" y="1432719"/>
-            <a:ext cx="396000" cy="0"/>
+            <a:off x="6337800" y="2190422"/>
+            <a:ext cx="455928" cy="1"/>
           </a:xfrm>
           <a:prstGeom prst="straightConnector1">
             <a:avLst/>
@@ -3664,46 +3657,6 @@
       </p:cxnSp>
       <p:cxnSp>
         <p:nvCxnSpPr>
-          <p:cNvPr id="68" name="Straight Arrow Connector 67"/>
-          <p:cNvCxnSpPr/>
-          <p:nvPr/>
-        </p:nvCxnSpPr>
-        <p:spPr>
-          <a:xfrm>
-            <a:off x="2670000" y="2880519"/>
-            <a:ext cx="2520000" cy="0"/>
-          </a:xfrm>
-          <a:prstGeom prst="straightConnector1">
-            <a:avLst/>
-          </a:prstGeom>
-          <a:ln w="38100">
-            <a:solidFill>
-              <a:schemeClr val="accent2">
-                <a:lumMod val="75000"/>
-              </a:schemeClr>
-            </a:solidFill>
-            <a:prstDash val="sysDot"/>
-            <a:headEnd type="none" w="med" len="med"/>
-            <a:tailEnd type="triangle" w="med" len="med"/>
-          </a:ln>
-        </p:spPr>
-        <p:style>
-          <a:lnRef idx="1">
-            <a:schemeClr val="accent1"/>
-          </a:lnRef>
-          <a:fillRef idx="0">
-            <a:schemeClr val="accent1"/>
-          </a:fillRef>
-          <a:effectRef idx="0">
-            <a:schemeClr val="accent1"/>
-          </a:effectRef>
-          <a:fontRef idx="minor">
-            <a:schemeClr val="tx1"/>
-          </a:fontRef>
-        </p:style>
-      </p:cxnSp>
-      <p:cxnSp>
-        <p:nvCxnSpPr>
           <p:cNvPr id="69" name="Straight Arrow Connector 68"/>
           <p:cNvCxnSpPr>
             <a:endCxn id="79" idx="0"/>
@@ -3711,9 +3664,9 @@
           <p:nvPr/>
         </p:nvCxnSpPr>
         <p:spPr>
-          <a:xfrm flipH="1">
-            <a:off x="4173038" y="665680"/>
-            <a:ext cx="0" cy="309838"/>
+          <a:xfrm>
+            <a:off x="4176566" y="898525"/>
+            <a:ext cx="0" cy="571897"/>
           </a:xfrm>
           <a:prstGeom prst="straightConnector1">
             <a:avLst/>
@@ -3753,9 +3706,9 @@
           <p:nvPr/>
         </p:nvCxnSpPr>
         <p:spPr>
-          <a:xfrm flipH="1">
-            <a:off x="5791200" y="665680"/>
-            <a:ext cx="0" cy="309838"/>
+          <a:xfrm>
+            <a:off x="5762264" y="898525"/>
+            <a:ext cx="0" cy="571897"/>
           </a:xfrm>
           <a:prstGeom prst="straightConnector1">
             <a:avLst/>
@@ -3796,8 +3749,8 @@
         </p:nvCxnSpPr>
         <p:spPr>
           <a:xfrm flipV="1">
-            <a:off x="7374344" y="670719"/>
-            <a:ext cx="0" cy="304799"/>
+            <a:off x="7333675" y="898525"/>
+            <a:ext cx="0" cy="571898"/>
           </a:xfrm>
           <a:prstGeom prst="straightConnector1">
             <a:avLst/>
@@ -3836,7 +3789,7 @@
         </p:nvCxnSpPr>
         <p:spPr>
           <a:xfrm flipH="1">
-            <a:off x="2613600" y="1432719"/>
+            <a:off x="2613600" y="2232417"/>
             <a:ext cx="1008000" cy="0"/>
           </a:xfrm>
           <a:prstGeom prst="straightConnector1">
@@ -3878,7 +3831,7 @@
         </p:nvCxnSpPr>
         <p:spPr>
           <a:xfrm>
-            <a:off x="751302" y="1015390"/>
+            <a:off x="751302" y="2457031"/>
             <a:ext cx="361374" cy="3975"/>
           </a:xfrm>
           <a:prstGeom prst="straightConnector1">
@@ -3916,8 +3869,8 @@
         </p:nvSpPr>
         <p:spPr>
           <a:xfrm>
-            <a:off x="1125824" y="838492"/>
-            <a:ext cx="1505756" cy="904398"/>
+            <a:off x="1125824" y="2107315"/>
+            <a:ext cx="1505756" cy="1077210"/>
           </a:xfrm>
           <a:prstGeom prst="rect">
             <a:avLst/>
@@ -4016,20 +3969,28 @@
           <a:p>
             <a:pPr algn="ctr"/>
             <a:r>
-              <a:rPr lang="en-US" dirty="0" smtClean="0">
+              <a:rPr lang="en-US" dirty="0">
                 <a:solidFill>
                   <a:schemeClr val="bg1"/>
                 </a:solidFill>
               </a:rPr>
-              <a:t>HTML, CSS, JavaScript, </a:t>
-            </a:r>
-            <a:r>
-              <a:rPr lang="en-US" dirty="0" smtClean="0">
+              <a:t>HTML, SCSS, Angular (</a:t>
+            </a:r>
+            <a:r>
+              <a:rPr lang="en-US" dirty="0" err="1">
                 <a:solidFill>
                   <a:schemeClr val="bg1"/>
                 </a:solidFill>
               </a:rPr>
-              <a:t>jQuery, Bootstrap</a:t>
+              <a:t>TypeScript</a:t>
+            </a:r>
+            <a:r>
+              <a:rPr lang="en-US" dirty="0">
+                <a:solidFill>
+                  <a:schemeClr val="bg1"/>
+                </a:solidFill>
+              </a:rPr>
+              <a:t>), Bootstrap</a:t>
             </a:r>
             <a:endParaRPr lang="en-SG" dirty="0">
               <a:solidFill>
@@ -4047,8 +4008,8 @@
         </p:nvSpPr>
         <p:spPr>
           <a:xfrm>
-            <a:off x="1097046" y="2475509"/>
-            <a:ext cx="1524000" cy="786009"/>
+            <a:off x="1097046" y="3902072"/>
+            <a:ext cx="1524000" cy="564039"/>
           </a:xfrm>
           <a:prstGeom prst="rect">
             <a:avLst/>
@@ -4160,31 +4121,23 @@
                   <a:schemeClr val="bg1"/>
                 </a:solidFill>
               </a:rPr>
-              <a:t>, </a:t>
-            </a:r>
-            <a:r>
-              <a:rPr lang="en-US" dirty="0" err="1" smtClean="0">
+              <a:t>,</a:t>
+            </a:r>
+            <a:endParaRPr lang="en-US" dirty="0">
+              <a:solidFill>
+                <a:schemeClr val="bg1"/>
+              </a:solidFill>
+            </a:endParaRPr>
+          </a:p>
+          <a:p>
+            <a:pPr algn="ctr"/>
+            <a:r>
+              <a:rPr lang="en-US" dirty="0">
                 <a:solidFill>
                   <a:schemeClr val="bg1"/>
                 </a:solidFill>
               </a:rPr>
-              <a:t>QUnit</a:t>
-            </a:r>
-            <a:r>
-              <a:rPr lang="en-US" dirty="0" smtClean="0">
-                <a:solidFill>
-                  <a:schemeClr val="bg1"/>
-                </a:solidFill>
-              </a:rPr>
-              <a:t>, Selenium, </a:t>
-            </a:r>
-            <a:r>
-              <a:rPr lang="en-US" dirty="0" err="1" smtClean="0">
-                <a:solidFill>
-                  <a:schemeClr val="bg1"/>
-                </a:solidFill>
-              </a:rPr>
-              <a:t>HttpUnit</a:t>
+              <a:t>Karma/Jasmine</a:t>
             </a:r>
             <a:endParaRPr lang="en-SG" dirty="0">
               <a:solidFill>
@@ -4202,8 +4155,8 @@
         </p:nvSpPr>
         <p:spPr>
           <a:xfrm>
-            <a:off x="5181598" y="1432719"/>
-            <a:ext cx="1219201" cy="533400"/>
+            <a:off x="5257800" y="2156217"/>
+            <a:ext cx="1080000" cy="724300"/>
           </a:xfrm>
           <a:prstGeom prst="rect">
             <a:avLst/>
@@ -4302,7 +4255,7 @@
           <a:p>
             <a:pPr algn="ctr"/>
             <a:r>
-              <a:rPr lang="en-US" dirty="0" smtClean="0">
+              <a:rPr lang="en-US" dirty="0">
                 <a:solidFill>
                   <a:schemeClr val="bg1"/>
                 </a:solidFill>
@@ -4319,151 +4272,14 @@
       </p:sp>
       <p:sp>
         <p:nvSpPr>
-          <p:cNvPr id="78" name="TextBox 77"/>
-          <p:cNvSpPr txBox="1"/>
-          <p:nvPr/>
-        </p:nvSpPr>
-        <p:spPr>
-          <a:xfrm>
-            <a:off x="3504614" y="2575719"/>
-            <a:ext cx="1548443" cy="304800"/>
-          </a:xfrm>
-          <a:prstGeom prst="rect">
-            <a:avLst/>
-          </a:prstGeom>
-          <a:grpFill/>
-          <a:ln>
-            <a:noFill/>
-          </a:ln>
-        </p:spPr>
-        <p:style>
-          <a:lnRef idx="2">
-            <a:schemeClr val="accent1">
-              <a:shade val="50000"/>
-            </a:schemeClr>
-          </a:lnRef>
-          <a:fillRef idx="1">
-            <a:schemeClr val="accent1"/>
-          </a:fillRef>
-          <a:effectRef idx="0">
-            <a:schemeClr val="accent1"/>
-          </a:effectRef>
-          <a:fontRef idx="minor">
-            <a:schemeClr val="lt1"/>
-          </a:fontRef>
-        </p:style>
-        <p:txBody>
-          <a:bodyPr rtlCol="0" anchor="t" anchorCtr="0"/>
-          <a:lstStyle>
-            <a:defPPr>
-              <a:defRPr lang="en-US"/>
-            </a:defPPr>
-            <a:lvl1pPr>
-              <a:defRPr sz="1400" b="1">
-                <a:solidFill>
-                  <a:srgbClr val="7030A0"/>
-                </a:solidFill>
-              </a:defRPr>
-            </a:lvl1pPr>
-            <a:lvl2pPr>
-              <a:defRPr>
-                <a:solidFill>
-                  <a:schemeClr val="lt1"/>
-                </a:solidFill>
-              </a:defRPr>
-            </a:lvl2pPr>
-            <a:lvl3pPr>
-              <a:defRPr>
-                <a:solidFill>
-                  <a:schemeClr val="lt1"/>
-                </a:solidFill>
-              </a:defRPr>
-            </a:lvl3pPr>
-            <a:lvl4pPr>
-              <a:defRPr>
-                <a:solidFill>
-                  <a:schemeClr val="lt1"/>
-                </a:solidFill>
-              </a:defRPr>
-            </a:lvl4pPr>
-            <a:lvl5pPr>
-              <a:defRPr>
-                <a:solidFill>
-                  <a:schemeClr val="lt1"/>
-                </a:solidFill>
-              </a:defRPr>
-            </a:lvl5pPr>
-            <a:lvl6pPr>
-              <a:defRPr>
-                <a:solidFill>
-                  <a:schemeClr val="lt1"/>
-                </a:solidFill>
-              </a:defRPr>
-            </a:lvl6pPr>
-            <a:lvl7pPr>
-              <a:defRPr>
-                <a:solidFill>
-                  <a:schemeClr val="lt1"/>
-                </a:solidFill>
-              </a:defRPr>
-            </a:lvl7pPr>
-            <a:lvl8pPr>
-              <a:defRPr>
-                <a:solidFill>
-                  <a:schemeClr val="lt1"/>
-                </a:solidFill>
-              </a:defRPr>
-            </a:lvl8pPr>
-            <a:lvl9pPr>
-              <a:defRPr>
-                <a:solidFill>
-                  <a:schemeClr val="lt1"/>
-                </a:solidFill>
-              </a:defRPr>
-            </a:lvl9pPr>
-          </a:lstStyle>
-          <a:p>
-            <a:pPr algn="ctr"/>
-            <a:r>
-              <a:rPr lang="en-US" dirty="0" smtClean="0">
-                <a:solidFill>
-                  <a:schemeClr val="accent2">
-                    <a:lumMod val="75000"/>
-                  </a:schemeClr>
-                </a:solidFill>
-              </a:rPr>
-              <a:t>JSON </a:t>
-            </a:r>
-            <a:r>
-              <a:rPr lang="en-US" dirty="0" smtClean="0">
-                <a:solidFill>
-                  <a:schemeClr val="accent2">
-                    <a:lumMod val="75000"/>
-                  </a:schemeClr>
-                </a:solidFill>
-              </a:rPr>
-              <a:t>(over HTTP)</a:t>
-            </a:r>
-            <a:endParaRPr lang="en-SG" dirty="0">
-              <a:solidFill>
-                <a:schemeClr val="accent2">
-                  <a:lumMod val="75000"/>
-                </a:schemeClr>
-              </a:solidFill>
-            </a:endParaRPr>
-          </a:p>
-        </p:txBody>
-      </p:sp>
-      <p:sp>
-        <p:nvSpPr>
           <p:cNvPr id="79" name="Rounded Rectangle 78"/>
           <p:cNvSpPr/>
           <p:nvPr/>
         </p:nvSpPr>
         <p:spPr>
           <a:xfrm>
-            <a:off x="3657600" y="975518"/>
-            <a:ext cx="1030876" cy="1485503"/>
+            <a:off x="3657600" y="1470422"/>
+            <a:ext cx="1080000" cy="1440000"/>
           </a:xfrm>
           <a:prstGeom prst="roundRect">
             <a:avLst>
@@ -4506,7 +4322,7 @@
           <a:p>
             <a:pPr algn="ctr"/>
             <a:r>
-              <a:rPr lang="en-US" sz="1600" b="1" dirty="0" smtClean="0">
+              <a:rPr lang="en-US" sz="1600" b="1" dirty="0">
                 <a:solidFill>
                   <a:schemeClr val="accent1">
                     <a:lumMod val="75000"/>
@@ -4533,8 +4349,8 @@
         </p:nvSpPr>
         <p:spPr>
           <a:xfrm>
-            <a:off x="3657600" y="1637106"/>
-            <a:ext cx="1030876" cy="738433"/>
+            <a:off x="3657600" y="2156217"/>
+            <a:ext cx="1076920" cy="785502"/>
           </a:xfrm>
           <a:prstGeom prst="rect">
             <a:avLst/>
@@ -4633,23 +4449,7 @@
           <a:p>
             <a:pPr algn="ctr"/>
             <a:r>
-              <a:rPr lang="en-US" dirty="0" smtClean="0">
-                <a:solidFill>
-                  <a:schemeClr val="bg1"/>
-                </a:solidFill>
-              </a:rPr>
-              <a:t>JSP/JSTL</a:t>
-            </a:r>
-            <a:r>
-              <a:rPr lang="en-US" dirty="0" smtClean="0">
-                <a:solidFill>
-                  <a:schemeClr val="bg1"/>
-                </a:solidFill>
-              </a:rPr>
-              <a:t>, </a:t>
-            </a:r>
-            <a:r>
-              <a:rPr lang="en-US" dirty="0" smtClean="0">
+              <a:rPr lang="en-US" dirty="0">
                 <a:solidFill>
                   <a:schemeClr val="bg1"/>
                 </a:solidFill>
@@ -4672,8 +4472,8 @@
         </p:nvSpPr>
         <p:spPr>
           <a:xfrm>
-            <a:off x="2769372" y="1127919"/>
-            <a:ext cx="659628" cy="533400"/>
+            <a:off x="2769372" y="1889125"/>
+            <a:ext cx="659628" cy="300814"/>
           </a:xfrm>
           <a:prstGeom prst="rect">
             <a:avLst/>
@@ -4772,16 +4572,16 @@
           <a:p>
             <a:pPr algn="ctr"/>
             <a:r>
-              <a:rPr lang="en-US" sz="1600" dirty="0" smtClean="0">
+              <a:rPr lang="en-US" dirty="0" smtClean="0">
                 <a:solidFill>
                   <a:schemeClr val="accent1">
                     <a:lumMod val="75000"/>
                   </a:schemeClr>
                 </a:solidFill>
               </a:rPr>
-              <a:t>HTTP, AJAX</a:t>
-            </a:r>
-            <a:endParaRPr lang="en-SG" sz="1600" dirty="0">
+              <a:t>HTTP</a:t>
+            </a:r>
+            <a:endParaRPr lang="en-SG" dirty="0">
               <a:solidFill>
                 <a:schemeClr val="accent1">
                   <a:lumMod val="75000"/>
@@ -4794,13 +4594,16 @@
       <p:cxnSp>
         <p:nvCxnSpPr>
           <p:cNvPr id="82" name="Straight Arrow Connector 81"/>
-          <p:cNvCxnSpPr/>
+          <p:cNvCxnSpPr>
+            <a:stCxn id="63" idx="1"/>
+            <a:endCxn id="79" idx="3"/>
+          </p:cNvCxnSpPr>
           <p:nvPr/>
         </p:nvCxnSpPr>
         <p:spPr>
           <a:xfrm flipH="1">
-            <a:off x="4688476" y="1432719"/>
-            <a:ext cx="493126" cy="0"/>
+            <a:off x="4737600" y="2190422"/>
+            <a:ext cx="520200" cy="0"/>
           </a:xfrm>
           <a:prstGeom prst="straightConnector1">
             <a:avLst/>
@@ -4831,51 +4634,6 @@
           </a:fontRef>
         </p:style>
       </p:cxnSp>
-      <p:cxnSp>
-        <p:nvCxnSpPr>
-          <p:cNvPr id="83" name="Elbow Connector 82"/>
-          <p:cNvCxnSpPr>
-            <a:stCxn id="90" idx="0"/>
-            <a:endCxn id="65" idx="2"/>
-          </p:cNvCxnSpPr>
-          <p:nvPr/>
-        </p:nvCxnSpPr>
-        <p:spPr>
-          <a:xfrm rot="5400000" flipH="1" flipV="1">
-            <a:off x="1704698" y="1883027"/>
-            <a:ext cx="313640" cy="4944"/>
-          </a:xfrm>
-          <a:prstGeom prst="bentConnector3">
-            <a:avLst>
-              <a:gd name="adj1" fmla="val 50000"/>
-            </a:avLst>
-          </a:prstGeom>
-          <a:ln w="38100">
-            <a:solidFill>
-              <a:schemeClr val="accent2">
-                <a:lumMod val="75000"/>
-              </a:schemeClr>
-            </a:solidFill>
-            <a:prstDash val="sysDot"/>
-            <a:headEnd type="none" w="med" len="med"/>
-            <a:tailEnd type="triangle" w="med" len="med"/>
-          </a:ln>
-        </p:spPr>
-        <p:style>
-          <a:lnRef idx="1">
-            <a:schemeClr val="accent1"/>
-          </a:lnRef>
-          <a:fillRef idx="0">
-            <a:schemeClr val="accent1"/>
-          </a:fillRef>
-          <a:effectRef idx="0">
-            <a:schemeClr val="accent1"/>
-          </a:effectRef>
-          <a:fontRef idx="minor">
-            <a:schemeClr val="tx1"/>
-          </a:fontRef>
-        </p:style>
-      </p:cxnSp>
       <p:sp>
         <p:nvSpPr>
           <p:cNvPr id="84" name="TextBox 83"/>
@@ -4884,8 +4642,8 @@
         </p:nvSpPr>
         <p:spPr>
           <a:xfrm>
-            <a:off x="6796801" y="1432719"/>
-            <a:ext cx="1149043" cy="285750"/>
+            <a:off x="6796808" y="2156217"/>
+            <a:ext cx="1076814" cy="754200"/>
           </a:xfrm>
           <a:prstGeom prst="rect">
             <a:avLst/>
@@ -4984,7 +4742,7 @@
           <a:p>
             <a:pPr algn="ctr"/>
             <a:r>
-              <a:rPr lang="en-US" dirty="0" smtClean="0">
+              <a:rPr lang="en-US" dirty="0">
                 <a:solidFill>
                   <a:schemeClr val="bg1"/>
                 </a:solidFill>
@@ -5007,8 +4765,8 @@
         </p:nvSpPr>
         <p:spPr>
           <a:xfrm>
-            <a:off x="6781800" y="2442013"/>
-            <a:ext cx="583428" cy="362306"/>
+            <a:off x="6388185" y="3184525"/>
+            <a:ext cx="888228" cy="362306"/>
           </a:xfrm>
           <a:prstGeom prst="rect">
             <a:avLst/>
@@ -5107,14 +4865,14 @@
           <a:p>
             <a:pPr algn="ctr"/>
             <a:r>
-              <a:rPr lang="en-US" dirty="0" smtClean="0">
+              <a:rPr lang="en-US" dirty="0">
                 <a:solidFill>
                   <a:schemeClr val="accent3">
                     <a:lumMod val="75000"/>
                   </a:schemeClr>
                 </a:solidFill>
               </a:rPr>
-              <a:t>JDO</a:t>
+              <a:t>Objectify</a:t>
             </a:r>
             <a:endParaRPr lang="en-SG" dirty="0">
               <a:solidFill>
@@ -5134,92 +4892,12 @@
         </p:nvSpPr>
         <p:spPr>
           <a:xfrm>
-            <a:off x="3505200" y="4023519"/>
-            <a:ext cx="4602178" cy="685800"/>
+            <a:off x="3505200" y="4974832"/>
+            <a:ext cx="4602178" cy="343299"/>
           </a:xfrm>
-          <a:custGeom>
+          <a:prstGeom prst="roundRect">
             <a:avLst/>
-            <a:gdLst/>
-            <a:ahLst/>
-            <a:cxnLst/>
-            <a:rect l="l" t="t" r="r" b="b"/>
-            <a:pathLst>
-              <a:path w="5867400" h="684020">
-                <a:moveTo>
-                  <a:pt x="5612103" y="0"/>
-                </a:moveTo>
-                <a:lnTo>
-                  <a:pt x="5816339" y="0"/>
-                </a:lnTo>
-                <a:cubicBezTo>
-                  <a:pt x="5844539" y="0"/>
-                  <a:pt x="5867400" y="22861"/>
-                  <a:pt x="5867400" y="51061"/>
-                </a:cubicBezTo>
-                <a:lnTo>
-                  <a:pt x="5867400" y="632958"/>
-                </a:lnTo>
-                <a:cubicBezTo>
-                  <a:pt x="5867400" y="661158"/>
-                  <a:pt x="5844539" y="684019"/>
-                  <a:pt x="5816339" y="684019"/>
-                </a:cubicBezTo>
-                <a:lnTo>
-                  <a:pt x="5663424" y="684019"/>
-                </a:lnTo>
-                <a:cubicBezTo>
-                  <a:pt x="5663422" y="684020"/>
-                  <a:pt x="5663421" y="684020"/>
-                  <a:pt x="5663419" y="684020"/>
-                </a:cubicBezTo>
-                <a:lnTo>
-                  <a:pt x="255297" y="684020"/>
-                </a:lnTo>
-                <a:lnTo>
-                  <a:pt x="175470" y="684020"/>
-                </a:lnTo>
-                <a:lnTo>
-                  <a:pt x="51061" y="684020"/>
-                </a:lnTo>
-                <a:cubicBezTo>
-                  <a:pt x="22861" y="684020"/>
-                  <a:pt x="0" y="661159"/>
-                  <a:pt x="0" y="632959"/>
-                </a:cubicBezTo>
-                <a:lnTo>
-                  <a:pt x="0" y="51062"/>
-                </a:lnTo>
-                <a:cubicBezTo>
-                  <a:pt x="0" y="22862"/>
-                  <a:pt x="22861" y="1"/>
-                  <a:pt x="51061" y="1"/>
-                </a:cubicBezTo>
-                <a:lnTo>
-                  <a:pt x="255297" y="1"/>
-                </a:lnTo>
-                <a:cubicBezTo>
-                  <a:pt x="283497" y="1"/>
-                  <a:pt x="306358" y="22862"/>
-                  <a:pt x="306358" y="51062"/>
-                </a:cubicBezTo>
-                <a:lnTo>
-                  <a:pt x="306358" y="379220"/>
-                </a:lnTo>
-                <a:lnTo>
-                  <a:pt x="5561042" y="379220"/>
-                </a:lnTo>
-                <a:lnTo>
-                  <a:pt x="5561042" y="51061"/>
-                </a:lnTo>
-                <a:cubicBezTo>
-                  <a:pt x="5561042" y="22861"/>
-                  <a:pt x="5583903" y="0"/>
-                  <a:pt x="5612103" y="0"/>
-                </a:cubicBezTo>
-                <a:close/>
-              </a:path>
-            </a:pathLst>
-          </a:custGeom>
+          </a:prstGeom>
           <a:solidFill>
             <a:schemeClr val="bg1">
               <a:lumMod val="75000"/>
@@ -5275,8 +4953,8 @@
         </p:nvSpPr>
         <p:spPr>
           <a:xfrm>
-            <a:off x="4267200" y="4404519"/>
-            <a:ext cx="2438400" cy="304800"/>
+            <a:off x="4267200" y="4974826"/>
+            <a:ext cx="2438400" cy="343300"/>
           </a:xfrm>
           <a:prstGeom prst="rect">
             <a:avLst/>
@@ -5384,15 +5062,7 @@
                   <a:schemeClr val="bg1"/>
                 </a:solidFill>
               </a:rPr>
-              <a:t>Google App </a:t>
-            </a:r>
-            <a:r>
-              <a:rPr lang="en-US" dirty="0" smtClean="0">
-                <a:solidFill>
-                  <a:schemeClr val="bg1"/>
-                </a:solidFill>
-              </a:rPr>
-              <a:t>Engine (GAE)</a:t>
+              <a:t>Google App Engine (GAE)</a:t>
             </a:r>
             <a:endParaRPr lang="en-SG" dirty="0">
               <a:solidFill>
@@ -5410,8 +5080,8 @@
         </p:nvSpPr>
         <p:spPr>
           <a:xfrm rot="16200000">
-            <a:off x="6680013" y="3439511"/>
-            <a:ext cx="1371600" cy="1015615"/>
+            <a:off x="6647821" y="4017038"/>
+            <a:ext cx="1371600" cy="1080000"/>
           </a:xfrm>
           <a:prstGeom prst="flowChartMagneticDrum">
             <a:avLst/>
@@ -5490,8 +5160,8 @@
         </p:nvCxnSpPr>
         <p:spPr>
           <a:xfrm flipV="1">
-            <a:off x="7365814" y="2118517"/>
-            <a:ext cx="8530" cy="1143002"/>
+            <a:off x="7333621" y="2910423"/>
+            <a:ext cx="54" cy="960815"/>
           </a:xfrm>
           <a:prstGeom prst="straightConnector1">
             <a:avLst/>
@@ -5530,7 +5200,7 @@
         </p:nvSpPr>
         <p:spPr>
           <a:xfrm>
-            <a:off x="3488924" y="3566319"/>
+            <a:off x="3843921" y="4194376"/>
             <a:ext cx="2133600" cy="304800"/>
           </a:xfrm>
           <a:prstGeom prst="rect">
@@ -5576,7 +5246,7 @@
           </a:lstStyle>
           <a:p>
             <a:r>
-              <a:rPr lang="en-US" dirty="0" smtClean="0">
+              <a:rPr lang="en-US" dirty="0">
                 <a:solidFill>
                   <a:schemeClr val="accent6">
                     <a:lumMod val="75000"/>
@@ -5603,7 +5273,7 @@
         </p:nvSpPr>
         <p:spPr>
           <a:xfrm>
-            <a:off x="-60030" y="2160512"/>
+            <a:off x="-60030" y="3503636"/>
             <a:ext cx="990600" cy="304800"/>
           </a:xfrm>
           <a:prstGeom prst="rect">
@@ -5703,7 +5373,7 @@
           <a:p>
             <a:pPr algn="ctr"/>
             <a:r>
-              <a:rPr lang="en-US" sz="1200" dirty="0" smtClean="0">
+              <a:rPr lang="en-US" sz="1200" dirty="0">
                 <a:solidFill>
                   <a:schemeClr val="accent2">
                     <a:lumMod val="75000"/>
@@ -5730,7 +5400,7 @@
         </p:nvCxnSpPr>
         <p:spPr>
           <a:xfrm>
-            <a:off x="742507" y="4060926"/>
+            <a:off x="742513" y="5047204"/>
             <a:ext cx="354539" cy="1"/>
           </a:xfrm>
           <a:prstGeom prst="straightConnector1">
@@ -5770,8 +5440,8 @@
         </p:nvCxnSpPr>
         <p:spPr>
           <a:xfrm flipV="1">
-            <a:off x="741707" y="2651919"/>
-            <a:ext cx="355339" cy="8147"/>
+            <a:off x="741713" y="3994460"/>
+            <a:ext cx="355333" cy="0"/>
           </a:xfrm>
           <a:prstGeom prst="straightConnector1">
             <a:avLst/>
@@ -5808,7 +5478,7 @@
         </p:nvSpPr>
         <p:spPr>
           <a:xfrm>
-            <a:off x="66323" y="3556034"/>
+            <a:off x="66323" y="4542306"/>
             <a:ext cx="762000" cy="304800"/>
           </a:xfrm>
           <a:prstGeom prst="rect">
@@ -5908,7 +5578,7 @@
           <a:p>
             <a:pPr algn="ctr"/>
             <a:r>
-              <a:rPr lang="en-US" sz="1200" dirty="0" smtClean="0">
+              <a:rPr lang="en-US" sz="1200" dirty="0">
                 <a:solidFill>
                   <a:schemeClr val="accent6">
                     <a:lumMod val="75000"/>
@@ -5935,7 +5605,7 @@
         </p:nvSpPr>
         <p:spPr>
           <a:xfrm>
-            <a:off x="74039" y="513280"/>
+            <a:off x="74039" y="1954915"/>
             <a:ext cx="711376" cy="304800"/>
           </a:xfrm>
           <a:prstGeom prst="rect">
@@ -6035,7 +5705,7 @@
           <a:p>
             <a:pPr algn="ctr"/>
             <a:r>
-              <a:rPr lang="en-US" sz="1200" dirty="0" smtClean="0">
+              <a:rPr lang="en-US" sz="1200" dirty="0">
                 <a:solidFill>
                   <a:schemeClr val="accent1">
                     <a:lumMod val="75000"/>
@@ -6054,46 +5724,6 @@
           </a:p>
         </p:txBody>
       </p:sp>
-      <p:cxnSp>
-        <p:nvCxnSpPr>
-          <p:cNvPr id="55" name="Straight Arrow Connector 54"/>
-          <p:cNvCxnSpPr/>
-          <p:nvPr/>
-        </p:nvCxnSpPr>
-        <p:spPr>
-          <a:xfrm flipH="1">
-            <a:off x="2654400" y="3866079"/>
-            <a:ext cx="4212000" cy="0"/>
-          </a:xfrm>
-          <a:prstGeom prst="straightConnector1">
-            <a:avLst/>
-          </a:prstGeom>
-          <a:ln w="38100">
-            <a:solidFill>
-              <a:schemeClr val="accent6">
-                <a:lumMod val="75000"/>
-              </a:schemeClr>
-            </a:solidFill>
-            <a:prstDash val="sysDot"/>
-            <a:headEnd type="triangle" w="med" len="med"/>
-            <a:tailEnd type="none" w="med" len="med"/>
-          </a:ln>
-        </p:spPr>
-        <p:style>
-          <a:lnRef idx="1">
-            <a:schemeClr val="accent1"/>
-          </a:lnRef>
-          <a:fillRef idx="0">
-            <a:schemeClr val="accent1"/>
-          </a:fillRef>
-          <a:effectRef idx="0">
-            <a:schemeClr val="accent1"/>
-          </a:effectRef>
-          <a:fontRef idx="minor">
-            <a:schemeClr val="tx1"/>
-          </a:fontRef>
-        </p:style>
-      </p:cxnSp>
       <p:grpSp>
         <p:nvGrpSpPr>
           <p:cNvPr id="20" name="Group 19"/>
@@ -6102,7 +5732,7 @@
         </p:nvGrpSpPr>
         <p:grpSpPr>
           <a:xfrm>
-            <a:off x="253529" y="847433"/>
+            <a:off x="253529" y="2289074"/>
             <a:ext cx="388008" cy="342473"/>
             <a:chOff x="678792" y="144177"/>
             <a:chExt cx="441804" cy="392765"/>
@@ -6362,7 +5992,7 @@
         </p:nvGrpSpPr>
         <p:grpSpPr>
           <a:xfrm>
-            <a:off x="258207" y="2489522"/>
+            <a:off x="258207" y="3832652"/>
             <a:ext cx="388008" cy="342473"/>
             <a:chOff x="678792" y="144177"/>
             <a:chExt cx="441804" cy="392765"/>
@@ -6622,7 +6252,7 @@
         </p:nvGrpSpPr>
         <p:grpSpPr>
           <a:xfrm>
-            <a:off x="270260" y="3890382"/>
+            <a:off x="270260" y="4876660"/>
             <a:ext cx="388008" cy="342473"/>
             <a:chOff x="678792" y="144177"/>
             <a:chExt cx="441804" cy="392765"/>
@@ -6882,8 +6512,8 @@
         </p:nvSpPr>
         <p:spPr>
           <a:xfrm>
-            <a:off x="1097046" y="3926443"/>
-            <a:ext cx="1518258" cy="706675"/>
+            <a:off x="1097046" y="4999512"/>
+            <a:ext cx="1518258" cy="323699"/>
           </a:xfrm>
           <a:prstGeom prst="rect">
             <a:avLst/>
@@ -6982,7 +6612,7 @@
           <a:p>
             <a:pPr algn="ctr"/>
             <a:r>
-              <a:rPr lang="en-US" dirty="0" smtClean="0">
+              <a:rPr lang="en-US" dirty="0">
                 <a:solidFill>
                   <a:schemeClr val="bg1"/>
                 </a:solidFill>
@@ -7005,7 +6635,7 @@
         </p:nvSpPr>
         <p:spPr>
           <a:xfrm>
-            <a:off x="6553200" y="182273"/>
+            <a:off x="6553206" y="441325"/>
             <a:ext cx="1219201" cy="469396"/>
           </a:xfrm>
           <a:prstGeom prst="rect">
@@ -7105,7 +6735,7 @@
           <a:p>
             <a:pPr algn="ctr"/>
             <a:r>
-              <a:rPr lang="en-US" dirty="0" smtClean="0">
+              <a:rPr lang="en-US" dirty="0">
                 <a:solidFill>
                   <a:schemeClr val="bg1"/>
                 </a:solidFill>
@@ -7115,6 +6745,958 @@
             <a:endParaRPr lang="en-SG" dirty="0">
               <a:solidFill>
                 <a:schemeClr val="bg1"/>
+              </a:solidFill>
+            </a:endParaRPr>
+          </a:p>
+        </p:txBody>
+      </p:sp>
+      <p:cxnSp>
+        <p:nvCxnSpPr>
+          <p:cNvPr id="60" name="Straight Arrow Connector 59"/>
+          <p:cNvCxnSpPr>
+            <a:stCxn id="90" idx="0"/>
+            <a:endCxn id="65" idx="2"/>
+          </p:cNvCxnSpPr>
+          <p:nvPr/>
+        </p:nvCxnSpPr>
+        <p:spPr>
+          <a:xfrm flipV="1">
+            <a:off x="1855323" y="3170320"/>
+            <a:ext cx="8667" cy="352493"/>
+          </a:xfrm>
+          <a:prstGeom prst="straightConnector1">
+            <a:avLst/>
+          </a:prstGeom>
+          <a:ln w="38100">
+            <a:solidFill>
+              <a:schemeClr val="accent2">
+                <a:lumMod val="75000"/>
+              </a:schemeClr>
+            </a:solidFill>
+            <a:prstDash val="sysDot"/>
+            <a:headEnd type="none" w="med" len="med"/>
+            <a:tailEnd type="triangle" w="med" len="med"/>
+          </a:ln>
+        </p:spPr>
+        <p:style>
+          <a:lnRef idx="1">
+            <a:schemeClr val="accent1"/>
+          </a:lnRef>
+          <a:fillRef idx="0">
+            <a:schemeClr val="accent1"/>
+          </a:fillRef>
+          <a:effectRef idx="0">
+            <a:schemeClr val="accent1"/>
+          </a:effectRef>
+          <a:fontRef idx="minor">
+            <a:schemeClr val="tx1"/>
+          </a:fontRef>
+        </p:style>
+      </p:cxnSp>
+      <p:cxnSp>
+        <p:nvCxnSpPr>
+          <p:cNvPr id="8" name="Elbow Connector 7"/>
+          <p:cNvCxnSpPr>
+            <a:stCxn id="62" idx="3"/>
+            <a:endCxn id="85" idx="0"/>
+          </p:cNvCxnSpPr>
+          <p:nvPr/>
+        </p:nvCxnSpPr>
+        <p:spPr>
+          <a:xfrm flipV="1">
+            <a:off x="2621046" y="4557038"/>
+            <a:ext cx="4172575" cy="487481"/>
+          </a:xfrm>
+          <a:prstGeom prst="bentConnector3">
+            <a:avLst>
+              <a:gd name="adj1" fmla="val 12653"/>
+            </a:avLst>
+          </a:prstGeom>
+          <a:ln w="38100">
+            <a:solidFill>
+              <a:schemeClr val="accent6">
+                <a:lumMod val="75000"/>
+              </a:schemeClr>
+            </a:solidFill>
+            <a:prstDash val="sysDot"/>
+            <a:tailEnd type="triangle"/>
+          </a:ln>
+        </p:spPr>
+        <p:style>
+          <a:lnRef idx="1">
+            <a:schemeClr val="accent1"/>
+          </a:lnRef>
+          <a:fillRef idx="0">
+            <a:schemeClr val="accent1"/>
+          </a:fillRef>
+          <a:effectRef idx="0">
+            <a:schemeClr val="accent1"/>
+          </a:effectRef>
+          <a:fontRef idx="minor">
+            <a:schemeClr val="tx1"/>
+          </a:fontRef>
+        </p:style>
+      </p:cxnSp>
+      <p:sp>
+        <p:nvSpPr>
+          <p:cNvPr id="73" name="Rounded Rectangle 72"/>
+          <p:cNvSpPr/>
+          <p:nvPr/>
+        </p:nvSpPr>
+        <p:spPr>
+          <a:xfrm>
+            <a:off x="1107580" y="455412"/>
+            <a:ext cx="1516554" cy="917019"/>
+          </a:xfrm>
+          <a:prstGeom prst="roundRect">
+            <a:avLst>
+              <a:gd name="adj" fmla="val 9190"/>
+            </a:avLst>
+          </a:prstGeom>
+          <a:solidFill>
+            <a:schemeClr val="accent6">
+              <a:lumMod val="60000"/>
+              <a:lumOff val="40000"/>
+            </a:schemeClr>
+          </a:solidFill>
+          <a:ln>
+            <a:solidFill>
+              <a:schemeClr val="accent6">
+                <a:lumMod val="75000"/>
+              </a:schemeClr>
+            </a:solidFill>
+          </a:ln>
+        </p:spPr>
+        <p:style>
+          <a:lnRef idx="2">
+            <a:schemeClr val="accent1">
+              <a:shade val="50000"/>
+            </a:schemeClr>
+          </a:lnRef>
+          <a:fillRef idx="1">
+            <a:schemeClr val="accent1"/>
+          </a:fillRef>
+          <a:effectRef idx="0">
+            <a:schemeClr val="accent1"/>
+          </a:effectRef>
+          <a:fontRef idx="minor">
+            <a:schemeClr val="lt1"/>
+          </a:fontRef>
+        </p:style>
+        <p:txBody>
+          <a:bodyPr rtlCol="0" anchor="t" anchorCtr="1"/>
+          <a:lstStyle/>
+          <a:p>
+            <a:pPr algn="ctr"/>
+            <a:r>
+              <a:rPr lang="en-US" sz="1600" b="1" dirty="0" smtClean="0">
+                <a:solidFill>
+                  <a:schemeClr val="accent6">
+                    <a:lumMod val="75000"/>
+                  </a:schemeClr>
+                </a:solidFill>
+              </a:rPr>
+              <a:t>E2E</a:t>
+            </a:r>
+            <a:endParaRPr lang="en-SG" sz="1600" b="1" dirty="0">
+              <a:solidFill>
+                <a:schemeClr val="accent6">
+                  <a:lumMod val="75000"/>
+                </a:schemeClr>
+              </a:solidFill>
+            </a:endParaRPr>
+          </a:p>
+        </p:txBody>
+      </p:sp>
+      <p:sp>
+        <p:nvSpPr>
+          <p:cNvPr id="93" name="TextBox 92"/>
+          <p:cNvSpPr txBox="1"/>
+          <p:nvPr/>
+        </p:nvSpPr>
+        <p:spPr>
+          <a:xfrm>
+            <a:off x="1107580" y="805129"/>
+            <a:ext cx="1524000" cy="529595"/>
+          </a:xfrm>
+          <a:prstGeom prst="rect">
+            <a:avLst/>
+          </a:prstGeom>
+          <a:grpFill/>
+          <a:ln>
+            <a:noFill/>
+          </a:ln>
+        </p:spPr>
+        <p:style>
+          <a:lnRef idx="2">
+            <a:schemeClr val="accent1">
+              <a:shade val="50000"/>
+            </a:schemeClr>
+          </a:lnRef>
+          <a:fillRef idx="1">
+            <a:schemeClr val="accent1"/>
+          </a:fillRef>
+          <a:effectRef idx="0">
+            <a:schemeClr val="accent1"/>
+          </a:effectRef>
+          <a:fontRef idx="minor">
+            <a:schemeClr val="lt1"/>
+          </a:fontRef>
+        </p:style>
+        <p:txBody>
+          <a:bodyPr rtlCol="0" anchor="t" anchorCtr="0"/>
+          <a:lstStyle>
+            <a:defPPr>
+              <a:defRPr lang="en-US"/>
+            </a:defPPr>
+            <a:lvl1pPr>
+              <a:defRPr sz="1400" b="1">
+                <a:solidFill>
+                  <a:srgbClr val="7030A0"/>
+                </a:solidFill>
+              </a:defRPr>
+            </a:lvl1pPr>
+            <a:lvl2pPr>
+              <a:defRPr>
+                <a:solidFill>
+                  <a:schemeClr val="lt1"/>
+                </a:solidFill>
+              </a:defRPr>
+            </a:lvl2pPr>
+            <a:lvl3pPr>
+              <a:defRPr>
+                <a:solidFill>
+                  <a:schemeClr val="lt1"/>
+                </a:solidFill>
+              </a:defRPr>
+            </a:lvl3pPr>
+            <a:lvl4pPr>
+              <a:defRPr>
+                <a:solidFill>
+                  <a:schemeClr val="lt1"/>
+                </a:solidFill>
+              </a:defRPr>
+            </a:lvl4pPr>
+            <a:lvl5pPr>
+              <a:defRPr>
+                <a:solidFill>
+                  <a:schemeClr val="lt1"/>
+                </a:solidFill>
+              </a:defRPr>
+            </a:lvl5pPr>
+            <a:lvl6pPr>
+              <a:defRPr>
+                <a:solidFill>
+                  <a:schemeClr val="lt1"/>
+                </a:solidFill>
+              </a:defRPr>
+            </a:lvl6pPr>
+            <a:lvl7pPr>
+              <a:defRPr>
+                <a:solidFill>
+                  <a:schemeClr val="lt1"/>
+                </a:solidFill>
+              </a:defRPr>
+            </a:lvl7pPr>
+            <a:lvl8pPr>
+              <a:defRPr>
+                <a:solidFill>
+                  <a:schemeClr val="lt1"/>
+                </a:solidFill>
+              </a:defRPr>
+            </a:lvl8pPr>
+            <a:lvl9pPr>
+              <a:defRPr>
+                <a:solidFill>
+                  <a:schemeClr val="lt1"/>
+                </a:solidFill>
+              </a:defRPr>
+            </a:lvl9pPr>
+          </a:lstStyle>
+          <a:p>
+            <a:pPr algn="ctr"/>
+            <a:r>
+              <a:rPr lang="en-US" dirty="0" err="1" smtClean="0">
+                <a:solidFill>
+                  <a:schemeClr val="bg1"/>
+                </a:solidFill>
+              </a:rPr>
+              <a:t>TestNG</a:t>
+            </a:r>
+            <a:r>
+              <a:rPr lang="en-US" dirty="0" smtClean="0">
+                <a:solidFill>
+                  <a:schemeClr val="bg1"/>
+                </a:solidFill>
+              </a:rPr>
+              <a:t>,</a:t>
+            </a:r>
+            <a:br>
+              <a:rPr lang="en-US" dirty="0" smtClean="0">
+                <a:solidFill>
+                  <a:schemeClr val="bg1"/>
+                </a:solidFill>
+              </a:rPr>
+            </a:br>
+            <a:r>
+              <a:rPr lang="en-US" dirty="0" smtClean="0">
+                <a:solidFill>
+                  <a:schemeClr val="bg1"/>
+                </a:solidFill>
+              </a:rPr>
+              <a:t>Selenium </a:t>
+            </a:r>
+            <a:r>
+              <a:rPr lang="en-US" dirty="0" smtClean="0">
+                <a:solidFill>
+                  <a:schemeClr val="bg1"/>
+                </a:solidFill>
+              </a:rPr>
+              <a:t>(Java)</a:t>
+            </a:r>
+            <a:endParaRPr lang="en-US" dirty="0">
+              <a:solidFill>
+                <a:schemeClr val="bg1"/>
+              </a:solidFill>
+            </a:endParaRPr>
+          </a:p>
+        </p:txBody>
+      </p:sp>
+      <p:sp>
+        <p:nvSpPr>
+          <p:cNvPr id="95" name="TextBox 94"/>
+          <p:cNvSpPr txBox="1"/>
+          <p:nvPr/>
+        </p:nvSpPr>
+        <p:spPr>
+          <a:xfrm>
+            <a:off x="-51941" y="441325"/>
+            <a:ext cx="990600" cy="304800"/>
+          </a:xfrm>
+          <a:prstGeom prst="rect">
+            <a:avLst/>
+          </a:prstGeom>
+          <a:grpFill/>
+          <a:ln>
+            <a:noFill/>
+          </a:ln>
+        </p:spPr>
+        <p:style>
+          <a:lnRef idx="2">
+            <a:schemeClr val="accent1">
+              <a:shade val="50000"/>
+            </a:schemeClr>
+          </a:lnRef>
+          <a:fillRef idx="1">
+            <a:schemeClr val="accent1"/>
+          </a:fillRef>
+          <a:effectRef idx="0">
+            <a:schemeClr val="accent1"/>
+          </a:effectRef>
+          <a:fontRef idx="minor">
+            <a:schemeClr val="lt1"/>
+          </a:fontRef>
+        </p:style>
+        <p:txBody>
+          <a:bodyPr rtlCol="0" anchor="t" anchorCtr="0"/>
+          <a:lstStyle>
+            <a:defPPr>
+              <a:defRPr lang="en-US"/>
+            </a:defPPr>
+            <a:lvl1pPr>
+              <a:defRPr sz="1400" b="1">
+                <a:solidFill>
+                  <a:srgbClr val="7030A0"/>
+                </a:solidFill>
+              </a:defRPr>
+            </a:lvl1pPr>
+            <a:lvl2pPr>
+              <a:defRPr>
+                <a:solidFill>
+                  <a:schemeClr val="lt1"/>
+                </a:solidFill>
+              </a:defRPr>
+            </a:lvl2pPr>
+            <a:lvl3pPr>
+              <a:defRPr>
+                <a:solidFill>
+                  <a:schemeClr val="lt1"/>
+                </a:solidFill>
+              </a:defRPr>
+            </a:lvl3pPr>
+            <a:lvl4pPr>
+              <a:defRPr>
+                <a:solidFill>
+                  <a:schemeClr val="lt1"/>
+                </a:solidFill>
+              </a:defRPr>
+            </a:lvl4pPr>
+            <a:lvl5pPr>
+              <a:defRPr>
+                <a:solidFill>
+                  <a:schemeClr val="lt1"/>
+                </a:solidFill>
+              </a:defRPr>
+            </a:lvl5pPr>
+            <a:lvl6pPr>
+              <a:defRPr>
+                <a:solidFill>
+                  <a:schemeClr val="lt1"/>
+                </a:solidFill>
+              </a:defRPr>
+            </a:lvl6pPr>
+            <a:lvl7pPr>
+              <a:defRPr>
+                <a:solidFill>
+                  <a:schemeClr val="lt1"/>
+                </a:solidFill>
+              </a:defRPr>
+            </a:lvl7pPr>
+            <a:lvl8pPr>
+              <a:defRPr>
+                <a:solidFill>
+                  <a:schemeClr val="lt1"/>
+                </a:solidFill>
+              </a:defRPr>
+            </a:lvl8pPr>
+            <a:lvl9pPr>
+              <a:defRPr>
+                <a:solidFill>
+                  <a:schemeClr val="lt1"/>
+                </a:solidFill>
+              </a:defRPr>
+            </a:lvl9pPr>
+          </a:lstStyle>
+          <a:p>
+            <a:pPr algn="ctr"/>
+            <a:r>
+              <a:rPr lang="en-US" sz="1200" dirty="0" smtClean="0">
+                <a:solidFill>
+                  <a:schemeClr val="accent6">
+                    <a:lumMod val="75000"/>
+                  </a:schemeClr>
+                </a:solidFill>
+              </a:rPr>
+              <a:t>E2E Testers</a:t>
+            </a:r>
+            <a:endParaRPr lang="en-SG" sz="1200" dirty="0">
+              <a:solidFill>
+                <a:schemeClr val="accent6">
+                  <a:lumMod val="75000"/>
+                </a:schemeClr>
+              </a:solidFill>
+            </a:endParaRPr>
+          </a:p>
+        </p:txBody>
+      </p:sp>
+      <p:cxnSp>
+        <p:nvCxnSpPr>
+          <p:cNvPr id="100" name="Straight Arrow Connector 99"/>
+          <p:cNvCxnSpPr>
+            <a:endCxn id="73" idx="1"/>
+          </p:cNvCxnSpPr>
+          <p:nvPr/>
+        </p:nvCxnSpPr>
+        <p:spPr>
+          <a:xfrm flipV="1">
+            <a:off x="749802" y="913922"/>
+            <a:ext cx="357778" cy="0"/>
+          </a:xfrm>
+          <a:prstGeom prst="straightConnector1">
+            <a:avLst/>
+          </a:prstGeom>
+          <a:ln w="38100">
+            <a:solidFill>
+              <a:schemeClr val="tx1"/>
+            </a:solidFill>
+            <a:prstDash val="sysDot"/>
+            <a:headEnd type="triangle" w="med" len="med"/>
+            <a:tailEnd type="triangle" w="med" len="med"/>
+          </a:ln>
+        </p:spPr>
+        <p:style>
+          <a:lnRef idx="1">
+            <a:schemeClr val="accent1"/>
+          </a:lnRef>
+          <a:fillRef idx="0">
+            <a:schemeClr val="accent1"/>
+          </a:fillRef>
+          <a:effectRef idx="0">
+            <a:schemeClr val="accent1"/>
+          </a:effectRef>
+          <a:fontRef idx="minor">
+            <a:schemeClr val="tx1"/>
+          </a:fontRef>
+        </p:style>
+      </p:cxnSp>
+      <p:grpSp>
+        <p:nvGrpSpPr>
+          <p:cNvPr id="102" name="Group 101"/>
+          <p:cNvGrpSpPr/>
+          <p:nvPr/>
+        </p:nvGrpSpPr>
+        <p:grpSpPr>
+          <a:xfrm>
+            <a:off x="266296" y="770341"/>
+            <a:ext cx="388008" cy="342473"/>
+            <a:chOff x="678792" y="144177"/>
+            <a:chExt cx="441804" cy="392765"/>
+          </a:xfrm>
+        </p:grpSpPr>
+        <p:grpSp>
+          <p:nvGrpSpPr>
+            <p:cNvPr id="103" name="Group 102"/>
+            <p:cNvGrpSpPr/>
+            <p:nvPr/>
+          </p:nvGrpSpPr>
+          <p:grpSpPr>
+            <a:xfrm>
+              <a:off x="678792" y="144177"/>
+              <a:ext cx="403224" cy="392765"/>
+              <a:chOff x="678792" y="144177"/>
+              <a:chExt cx="403224" cy="392765"/>
+            </a:xfrm>
+          </p:grpSpPr>
+          <p:sp>
+            <p:nvSpPr>
+              <p:cNvPr id="114" name="Flowchart: Connector 113"/>
+              <p:cNvSpPr/>
+              <p:nvPr/>
+            </p:nvSpPr>
+            <p:spPr>
+              <a:xfrm rot="20830103">
+                <a:off x="678792" y="144177"/>
+                <a:ext cx="403224" cy="392765"/>
+              </a:xfrm>
+              <a:prstGeom prst="flowChartConnector">
+                <a:avLst/>
+              </a:prstGeom>
+              <a:solidFill>
+                <a:schemeClr val="bg1"/>
+              </a:solidFill>
+              <a:ln>
+                <a:solidFill>
+                  <a:schemeClr val="accent6">
+                    <a:lumMod val="75000"/>
+                  </a:schemeClr>
+                </a:solidFill>
+              </a:ln>
+            </p:spPr>
+            <p:style>
+              <a:lnRef idx="2">
+                <a:schemeClr val="accent1">
+                  <a:shade val="50000"/>
+                </a:schemeClr>
+              </a:lnRef>
+              <a:fillRef idx="1">
+                <a:schemeClr val="accent1"/>
+              </a:fillRef>
+              <a:effectRef idx="0">
+                <a:schemeClr val="accent1"/>
+              </a:effectRef>
+              <a:fontRef idx="minor">
+                <a:schemeClr val="lt1"/>
+              </a:fontRef>
+            </p:style>
+            <p:txBody>
+              <a:bodyPr rtlCol="0" anchor="ctr"/>
+              <a:lstStyle/>
+              <a:p>
+                <a:pPr algn="ctr"/>
+                <a:endParaRPr lang="en-SG"/>
+              </a:p>
+            </p:txBody>
+          </p:sp>
+          <p:sp>
+            <p:nvSpPr>
+              <p:cNvPr id="117" name="Flowchart: Connector 116"/>
+              <p:cNvSpPr/>
+              <p:nvPr/>
+            </p:nvSpPr>
+            <p:spPr>
+              <a:xfrm rot="20830103">
+                <a:off x="883820" y="212217"/>
+                <a:ext cx="83544" cy="81377"/>
+              </a:xfrm>
+              <a:prstGeom prst="flowChartConnector">
+                <a:avLst/>
+              </a:prstGeom>
+              <a:solidFill>
+                <a:schemeClr val="bg1"/>
+              </a:solidFill>
+              <a:ln>
+                <a:solidFill>
+                  <a:schemeClr val="accent6">
+                    <a:lumMod val="75000"/>
+                  </a:schemeClr>
+                </a:solidFill>
+              </a:ln>
+            </p:spPr>
+            <p:style>
+              <a:lnRef idx="2">
+                <a:schemeClr val="accent1">
+                  <a:shade val="50000"/>
+                </a:schemeClr>
+              </a:lnRef>
+              <a:fillRef idx="1">
+                <a:schemeClr val="accent1"/>
+              </a:fillRef>
+              <a:effectRef idx="0">
+                <a:schemeClr val="accent1"/>
+              </a:effectRef>
+              <a:fontRef idx="minor">
+                <a:schemeClr val="lt1"/>
+              </a:fontRef>
+            </p:style>
+            <p:txBody>
+              <a:bodyPr rtlCol="0" anchor="ctr"/>
+              <a:lstStyle/>
+              <a:p>
+                <a:pPr algn="ctr"/>
+                <a:endParaRPr lang="en-SG"/>
+              </a:p>
+            </p:txBody>
+          </p:sp>
+        </p:grpSp>
+        <p:cxnSp>
+          <p:nvCxnSpPr>
+            <p:cNvPr id="111" name="Straight Connector 110"/>
+            <p:cNvCxnSpPr/>
+            <p:nvPr/>
+          </p:nvCxnSpPr>
+          <p:spPr>
+            <a:xfrm>
+              <a:off x="1082496" y="339765"/>
+              <a:ext cx="38100" cy="0"/>
+            </a:xfrm>
+            <a:prstGeom prst="line">
+              <a:avLst/>
+            </a:prstGeom>
+            <a:solidFill>
+              <a:schemeClr val="bg1"/>
+            </a:solidFill>
+            <a:ln cap="rnd">
+              <a:solidFill>
+                <a:schemeClr val="accent6">
+                  <a:lumMod val="75000"/>
+                </a:schemeClr>
+              </a:solidFill>
+            </a:ln>
+          </p:spPr>
+          <p:style>
+            <a:lnRef idx="2">
+              <a:schemeClr val="accent1">
+                <a:shade val="50000"/>
+              </a:schemeClr>
+            </a:lnRef>
+            <a:fillRef idx="1">
+              <a:schemeClr val="accent1"/>
+            </a:fillRef>
+            <a:effectRef idx="0">
+              <a:schemeClr val="accent1"/>
+            </a:effectRef>
+            <a:fontRef idx="minor">
+              <a:schemeClr val="lt1"/>
+            </a:fontRef>
+          </p:style>
+        </p:cxnSp>
+        <p:sp>
+          <p:nvSpPr>
+            <p:cNvPr id="112" name="Freeform 111"/>
+            <p:cNvSpPr/>
+            <p:nvPr/>
+          </p:nvSpPr>
+          <p:spPr>
+            <a:xfrm rot="842210">
+              <a:off x="866775" y="423863"/>
+              <a:ext cx="152400" cy="45690"/>
+            </a:xfrm>
+            <a:custGeom>
+              <a:avLst/>
+              <a:gdLst>
+                <a:gd name="connsiteX0" fmla="*/ 152400 w 152400"/>
+                <a:gd name="connsiteY0" fmla="*/ 38100 h 45690"/>
+                <a:gd name="connsiteX1" fmla="*/ 52388 w 152400"/>
+                <a:gd name="connsiteY1" fmla="*/ 42862 h 45690"/>
+                <a:gd name="connsiteX2" fmla="*/ 0 w 152400"/>
+                <a:gd name="connsiteY2" fmla="*/ 0 h 45690"/>
+              </a:gdLst>
+              <a:ahLst/>
+              <a:cxnLst>
+                <a:cxn ang="0">
+                  <a:pos x="connsiteX0" y="connsiteY0"/>
+                </a:cxn>
+                <a:cxn ang="0">
+                  <a:pos x="connsiteX1" y="connsiteY1"/>
+                </a:cxn>
+                <a:cxn ang="0">
+                  <a:pos x="connsiteX2" y="connsiteY2"/>
+                </a:cxn>
+              </a:cxnLst>
+              <a:rect l="l" t="t" r="r" b="b"/>
+              <a:pathLst>
+                <a:path w="152400" h="45690">
+                  <a:moveTo>
+                    <a:pt x="152400" y="38100"/>
+                  </a:moveTo>
+                  <a:cubicBezTo>
+                    <a:pt x="115094" y="43656"/>
+                    <a:pt x="77788" y="49212"/>
+                    <a:pt x="52388" y="42862"/>
+                  </a:cubicBezTo>
+                  <a:cubicBezTo>
+                    <a:pt x="26988" y="36512"/>
+                    <a:pt x="13494" y="18256"/>
+                    <a:pt x="0" y="0"/>
+                  </a:cubicBezTo>
+                </a:path>
+              </a:pathLst>
+            </a:custGeom>
+            <a:solidFill>
+              <a:schemeClr val="bg1"/>
+            </a:solidFill>
+            <a:ln cap="rnd">
+              <a:solidFill>
+                <a:schemeClr val="accent6">
+                  <a:lumMod val="75000"/>
+                </a:schemeClr>
+              </a:solidFill>
+            </a:ln>
+          </p:spPr>
+          <p:style>
+            <a:lnRef idx="2">
+              <a:schemeClr val="accent1">
+                <a:shade val="50000"/>
+              </a:schemeClr>
+            </a:lnRef>
+            <a:fillRef idx="1">
+              <a:schemeClr val="accent1"/>
+            </a:fillRef>
+            <a:effectRef idx="0">
+              <a:schemeClr val="accent1"/>
+            </a:effectRef>
+            <a:fontRef idx="minor">
+              <a:schemeClr val="lt1"/>
+            </a:fontRef>
+          </p:style>
+          <p:txBody>
+            <a:bodyPr rtlCol="0" anchor="ctr"/>
+            <a:lstStyle/>
+            <a:p>
+              <a:pPr algn="ctr"/>
+              <a:endParaRPr lang="en-US"/>
+            </a:p>
+          </p:txBody>
+        </p:sp>
+      </p:grpSp>
+      <p:cxnSp>
+        <p:nvCxnSpPr>
+          <p:cNvPr id="118" name="Straight Arrow Connector 117"/>
+          <p:cNvCxnSpPr>
+            <a:stCxn id="73" idx="2"/>
+            <a:endCxn id="65" idx="0"/>
+          </p:cNvCxnSpPr>
+          <p:nvPr/>
+        </p:nvCxnSpPr>
+        <p:spPr>
+          <a:xfrm flipH="1">
+            <a:off x="1863990" y="1372431"/>
+            <a:ext cx="1867" cy="379260"/>
+          </a:xfrm>
+          <a:prstGeom prst="straightConnector1">
+            <a:avLst/>
+          </a:prstGeom>
+          <a:ln w="38100">
+            <a:solidFill>
+              <a:schemeClr val="accent2">
+                <a:lumMod val="75000"/>
+              </a:schemeClr>
+            </a:solidFill>
+            <a:prstDash val="sysDot"/>
+            <a:headEnd type="none" w="med" len="med"/>
+            <a:tailEnd type="triangle" w="med" len="med"/>
+          </a:ln>
+        </p:spPr>
+        <p:style>
+          <a:lnRef idx="1">
+            <a:schemeClr val="accent1"/>
+          </a:lnRef>
+          <a:fillRef idx="0">
+            <a:schemeClr val="accent1"/>
+          </a:fillRef>
+          <a:effectRef idx="0">
+            <a:schemeClr val="accent1"/>
+          </a:effectRef>
+          <a:fontRef idx="minor">
+            <a:schemeClr val="tx1"/>
+          </a:fontRef>
+        </p:style>
+      </p:cxnSp>
+      <p:cxnSp>
+        <p:nvCxnSpPr>
+          <p:cNvPr id="119" name="Elbow Connector 118"/>
+          <p:cNvCxnSpPr>
+            <a:stCxn id="90" idx="3"/>
+          </p:cNvCxnSpPr>
+          <p:nvPr/>
+        </p:nvCxnSpPr>
+        <p:spPr>
+          <a:xfrm flipV="1">
+            <a:off x="2613600" y="3125506"/>
+            <a:ext cx="891600" cy="868954"/>
+          </a:xfrm>
+          <a:prstGeom prst="bentConnector3">
+            <a:avLst>
+              <a:gd name="adj1" fmla="val 50000"/>
+            </a:avLst>
+          </a:prstGeom>
+          <a:ln w="38100">
+            <a:solidFill>
+              <a:schemeClr val="accent2">
+                <a:lumMod val="75000"/>
+              </a:schemeClr>
+            </a:solidFill>
+            <a:prstDash val="sysDot"/>
+            <a:tailEnd type="triangle"/>
+          </a:ln>
+        </p:spPr>
+        <p:style>
+          <a:lnRef idx="1">
+            <a:schemeClr val="accent1"/>
+          </a:lnRef>
+          <a:fillRef idx="0">
+            <a:schemeClr val="accent1"/>
+          </a:fillRef>
+          <a:effectRef idx="0">
+            <a:schemeClr val="accent1"/>
+          </a:effectRef>
+          <a:fontRef idx="minor">
+            <a:schemeClr val="tx1"/>
+          </a:fontRef>
+        </p:style>
+      </p:cxnSp>
+      <p:sp>
+        <p:nvSpPr>
+          <p:cNvPr id="120" name="TextBox 119"/>
+          <p:cNvSpPr txBox="1"/>
+          <p:nvPr/>
+        </p:nvSpPr>
+        <p:spPr>
+          <a:xfrm>
+            <a:off x="2769372" y="2270125"/>
+            <a:ext cx="659628" cy="360470"/>
+          </a:xfrm>
+          <a:prstGeom prst="rect">
+            <a:avLst/>
+          </a:prstGeom>
+          <a:grpFill/>
+          <a:ln>
+            <a:noFill/>
+          </a:ln>
+        </p:spPr>
+        <p:style>
+          <a:lnRef idx="2">
+            <a:schemeClr val="accent1">
+              <a:shade val="50000"/>
+            </a:schemeClr>
+          </a:lnRef>
+          <a:fillRef idx="1">
+            <a:schemeClr val="accent1"/>
+          </a:fillRef>
+          <a:effectRef idx="0">
+            <a:schemeClr val="accent1"/>
+          </a:effectRef>
+          <a:fontRef idx="minor">
+            <a:schemeClr val="lt1"/>
+          </a:fontRef>
+        </p:style>
+        <p:txBody>
+          <a:bodyPr rtlCol="0" anchor="t" anchorCtr="0"/>
+          <a:lstStyle>
+            <a:defPPr>
+              <a:defRPr lang="en-US"/>
+            </a:defPPr>
+            <a:lvl1pPr>
+              <a:defRPr sz="1400" b="1">
+                <a:solidFill>
+                  <a:srgbClr val="7030A0"/>
+                </a:solidFill>
+              </a:defRPr>
+            </a:lvl1pPr>
+            <a:lvl2pPr>
+              <a:defRPr>
+                <a:solidFill>
+                  <a:schemeClr val="lt1"/>
+                </a:solidFill>
+              </a:defRPr>
+            </a:lvl2pPr>
+            <a:lvl3pPr>
+              <a:defRPr>
+                <a:solidFill>
+                  <a:schemeClr val="lt1"/>
+                </a:solidFill>
+              </a:defRPr>
+            </a:lvl3pPr>
+            <a:lvl4pPr>
+              <a:defRPr>
+                <a:solidFill>
+                  <a:schemeClr val="lt1"/>
+                </a:solidFill>
+              </a:defRPr>
+            </a:lvl4pPr>
+            <a:lvl5pPr>
+              <a:defRPr>
+                <a:solidFill>
+                  <a:schemeClr val="lt1"/>
+                </a:solidFill>
+              </a:defRPr>
+            </a:lvl5pPr>
+            <a:lvl6pPr>
+              <a:defRPr>
+                <a:solidFill>
+                  <a:schemeClr val="lt1"/>
+                </a:solidFill>
+              </a:defRPr>
+            </a:lvl6pPr>
+            <a:lvl7pPr>
+              <a:defRPr>
+                <a:solidFill>
+                  <a:schemeClr val="lt1"/>
+                </a:solidFill>
+              </a:defRPr>
+            </a:lvl7pPr>
+            <a:lvl8pPr>
+              <a:defRPr>
+                <a:solidFill>
+                  <a:schemeClr val="lt1"/>
+                </a:solidFill>
+              </a:defRPr>
+            </a:lvl8pPr>
+            <a:lvl9pPr>
+              <a:defRPr>
+                <a:solidFill>
+                  <a:schemeClr val="lt1"/>
+                </a:solidFill>
+              </a:defRPr>
+            </a:lvl9pPr>
+          </a:lstStyle>
+          <a:p>
+            <a:pPr algn="ctr"/>
+            <a:r>
+              <a:rPr lang="en-US" dirty="0">
+                <a:solidFill>
+                  <a:schemeClr val="accent1">
+                    <a:lumMod val="75000"/>
+                  </a:schemeClr>
+                </a:solidFill>
+              </a:rPr>
+              <a:t>AJAX</a:t>
+            </a:r>
+            <a:endParaRPr lang="en-SG" dirty="0">
+              <a:solidFill>
+                <a:schemeClr val="accent1">
+                  <a:lumMod val="75000"/>
+                </a:schemeClr>
               </a:solidFill>
             </a:endParaRPr>
           </a:p>
